--- a/assets/img/logo.pptx
+++ b/assets/img/logo.pptx
@@ -3351,8 +3351,8 @@
         </p:nvSpPr>
         <p:spPr>
           <a:xfrm>
-            <a:off x="810491" y="535478"/>
-            <a:ext cx="8576387" cy="2339102"/>
+            <a:off x="581891" y="192578"/>
+            <a:ext cx="6732933" cy="1969770"/>
           </a:xfrm>
           <a:prstGeom prst="rect">
             <a:avLst/>
@@ -3371,7 +3371,7 @@
               </a:lnSpc>
             </a:pPr>
             <a:r>
-              <a:rPr lang="en-US" sz="4400" dirty="0">
+              <a:rPr lang="en-US" sz="2800" dirty="0">
                 <a:ln>
                   <a:solidFill>
                     <a:schemeClr val="bg1">
@@ -3419,7 +3419,7 @@
               <a:t>    </a:t>
             </a:r>
             <a:r>
-              <a:rPr lang="en-US" sz="8000" dirty="0" err="1">
+              <a:rPr lang="en-US" sz="6000" dirty="0" err="1">
                 <a:ln>
                   <a:solidFill>
                     <a:schemeClr val="bg1">
@@ -3441,7 +3441,7 @@
               </a:rPr>
               <a:t>MacroArchiLab</a:t>
             </a:r>
-            <a:endParaRPr lang="en-US" sz="8000" dirty="0">
+            <a:endParaRPr lang="en-US" sz="6000" dirty="0">
               <a:ln>
                 <a:solidFill>
                   <a:schemeClr val="bg1">

--- a/assets/img/logo.pptx
+++ b/assets/img/logo.pptx
@@ -3352,7 +3352,7 @@
         <p:spPr>
           <a:xfrm>
             <a:off x="581891" y="192578"/>
-            <a:ext cx="6732933" cy="1969770"/>
+            <a:ext cx="11241809" cy="1754326"/>
           </a:xfrm>
           <a:prstGeom prst="rect">
             <a:avLst/>
@@ -3360,16 +3360,11 @@
           <a:noFill/>
         </p:spPr>
         <p:txBody>
-          <a:bodyPr wrap="none" rtlCol="0">
+          <a:bodyPr wrap="square" rtlCol="0">
             <a:spAutoFit/>
           </a:bodyPr>
           <a:lstStyle/>
           <a:p>
-            <a:pPr>
-              <a:lnSpc>
-                <a:spcPct val="150000"/>
-              </a:lnSpc>
-            </a:pPr>
             <a:r>
               <a:rPr lang="en-US" sz="2800" dirty="0">
                 <a:ln>
@@ -3395,6 +3390,11 @@
             </a:r>
           </a:p>
           <a:p>
+            <a:pPr>
+              <a:spcAft>
+                <a:spcPts val="8400"/>
+              </a:spcAft>
+            </a:pPr>
             <a:r>
               <a:rPr lang="en-US" sz="8000" dirty="0">
                 <a:ln>
